--- a/外送檢測2.pptx
+++ b/外送檢測2.pptx
@@ -7,8 +7,11 @@
   <p:sldIdLst>
     <p:sldId id="256" r:id="rId2"/>
     <p:sldId id="257" r:id="rId3"/>
-    <p:sldId id="258" r:id="rId4"/>
-    <p:sldId id="259" r:id="rId5"/>
+    <p:sldId id="260" r:id="rId4"/>
+    <p:sldId id="258" r:id="rId5"/>
+    <p:sldId id="261" r:id="rId6"/>
+    <p:sldId id="259" r:id="rId7"/>
+    <p:sldId id="262" r:id="rId8"/>
   </p:sldIdLst>
   <p:sldSz cx="12192000" cy="6858000"/>
   <p:notesSz cx="6858000" cy="9144000"/>
@@ -107,6 +110,11 @@
       </a:defRPr>
     </a:lvl9pPr>
   </p:defaultTextStyle>
+  <p:extLst>
+    <p:ext uri="{EFAFB233-063F-42B5-8137-9DF3F51BA10A}">
+      <p15:sldGuideLst xmlns:p15="http://schemas.microsoft.com/office/powerpoint/2012/main"/>
+    </p:ext>
+  </p:extLst>
 </p:presentation>
 </file>
 
@@ -6050,6 +6058,96 @@
           <p:cNvPr id="2" name="標題 1">
             <a:extLst>
               <a:ext uri="{FF2B5EF4-FFF2-40B4-BE49-F238E27FC236}">
+                <a16:creationId xmlns:a16="http://schemas.microsoft.com/office/drawing/2014/main" id="{E185D22D-06D4-4DAE-8EF3-AE602CFBF2EA}"/>
+              </a:ext>
+            </a:extLst>
+          </p:cNvPr>
+          <p:cNvSpPr>
+            <a:spLocks noGrp="1"/>
+          </p:cNvSpPr>
+          <p:nvPr>
+            <p:ph type="title"/>
+          </p:nvPr>
+        </p:nvSpPr>
+        <p:spPr/>
+        <p:txBody>
+          <a:bodyPr/>
+          <a:lstStyle/>
+          <a:p>
+            <a:endParaRPr lang="zh-TW" altLang="en-US"/>
+          </a:p>
+        </p:txBody>
+      </p:sp>
+      <p:sp>
+        <p:nvSpPr>
+          <p:cNvPr id="3" name="內容版面配置區 2">
+            <a:extLst>
+              <a:ext uri="{FF2B5EF4-FFF2-40B4-BE49-F238E27FC236}">
+                <a16:creationId xmlns:a16="http://schemas.microsoft.com/office/drawing/2014/main" id="{D29296D4-7C0E-4DAD-9B80-DC0DDCB285C4}"/>
+              </a:ext>
+            </a:extLst>
+          </p:cNvPr>
+          <p:cNvSpPr>
+            <a:spLocks noGrp="1"/>
+          </p:cNvSpPr>
+          <p:nvPr>
+            <p:ph idx="1"/>
+          </p:nvPr>
+        </p:nvSpPr>
+        <p:spPr/>
+        <p:txBody>
+          <a:bodyPr/>
+          <a:lstStyle/>
+          <a:p>
+            <a:r>
+              <a:rPr lang="zh-TW" altLang="en-US" dirty="0"/>
+              <a:t>使用行充供電，固定在腳踏車貨架，模擬外送。</a:t>
+            </a:r>
+            <a:endParaRPr lang="en-US" altLang="zh-TW" dirty="0"/>
+          </a:p>
+          <a:p>
+            <a:r>
+              <a:rPr lang="zh-TW" altLang="en-US" dirty="0"/>
+              <a:t>努力分析加速度儀模式</a:t>
+            </a:r>
+          </a:p>
+        </p:txBody>
+      </p:sp>
+    </p:spTree>
+    <p:extLst>
+      <p:ext uri="{BB962C8B-B14F-4D97-AF65-F5344CB8AC3E}">
+        <p14:creationId xmlns:p14="http://schemas.microsoft.com/office/powerpoint/2010/main" val="1668835750"/>
+      </p:ext>
+    </p:extLst>
+  </p:cSld>
+  <p:clrMapOvr>
+    <a:masterClrMapping/>
+  </p:clrMapOvr>
+</p:sld>
+</file>
+
+<file path=ppt/slides/slide4.xml><?xml version="1.0" encoding="utf-8"?>
+<p:sld xmlns:a="http://schemas.openxmlformats.org/drawingml/2006/main" xmlns:r="http://schemas.openxmlformats.org/officeDocument/2006/relationships" xmlns:p="http://schemas.openxmlformats.org/presentationml/2006/main">
+  <p:cSld>
+    <p:spTree>
+      <p:nvGrpSpPr>
+        <p:cNvPr id="1" name=""/>
+        <p:cNvGrpSpPr/>
+        <p:nvPr/>
+      </p:nvGrpSpPr>
+      <p:grpSpPr>
+        <a:xfrm>
+          <a:off x="0" y="0"/>
+          <a:ext cx="0" cy="0"/>
+          <a:chOff x="0" y="0"/>
+          <a:chExt cx="0" cy="0"/>
+        </a:xfrm>
+      </p:grpSpPr>
+      <p:sp>
+        <p:nvSpPr>
+          <p:cNvPr id="2" name="標題 1">
+            <a:extLst>
+              <a:ext uri="{FF2B5EF4-FFF2-40B4-BE49-F238E27FC236}">
                 <a16:creationId xmlns:a16="http://schemas.microsoft.com/office/drawing/2014/main" id="{81BF729D-CD25-4B81-9004-F803CF6A4E16}"/>
               </a:ext>
             </a:extLst>
@@ -6155,7 +6253,148 @@
 </p:sld>
 </file>
 
-<file path=ppt/slides/slide4.xml><?xml version="1.0" encoding="utf-8"?>
+<file path=ppt/slides/slide5.xml><?xml version="1.0" encoding="utf-8"?>
+<p:sld xmlns:a="http://schemas.openxmlformats.org/drawingml/2006/main" xmlns:r="http://schemas.openxmlformats.org/officeDocument/2006/relationships" xmlns:p="http://schemas.openxmlformats.org/presentationml/2006/main">
+  <p:cSld>
+    <p:spTree>
+      <p:nvGrpSpPr>
+        <p:cNvPr id="1" name=""/>
+        <p:cNvGrpSpPr/>
+        <p:nvPr/>
+      </p:nvGrpSpPr>
+      <p:grpSpPr>
+        <a:xfrm>
+          <a:off x="0" y="0"/>
+          <a:ext cx="0" cy="0"/>
+          <a:chOff x="0" y="0"/>
+          <a:chExt cx="0" cy="0"/>
+        </a:xfrm>
+      </p:grpSpPr>
+      <p:sp>
+        <p:nvSpPr>
+          <p:cNvPr id="2" name="標題 1">
+            <a:extLst>
+              <a:ext uri="{FF2B5EF4-FFF2-40B4-BE49-F238E27FC236}">
+                <a16:creationId xmlns:a16="http://schemas.microsoft.com/office/drawing/2014/main" id="{F02FC0E5-3006-47EF-B066-4735E83A56B8}"/>
+              </a:ext>
+            </a:extLst>
+          </p:cNvPr>
+          <p:cNvSpPr>
+            <a:spLocks noGrp="1"/>
+          </p:cNvSpPr>
+          <p:nvPr>
+            <p:ph type="title"/>
+          </p:nvPr>
+        </p:nvSpPr>
+        <p:spPr/>
+        <p:txBody>
+          <a:bodyPr/>
+          <a:lstStyle/>
+          <a:p>
+            <a:endParaRPr lang="zh-TW" altLang="en-US"/>
+          </a:p>
+        </p:txBody>
+      </p:sp>
+      <p:sp>
+        <p:nvSpPr>
+          <p:cNvPr id="3" name="內容版面配置區 2">
+            <a:extLst>
+              <a:ext uri="{FF2B5EF4-FFF2-40B4-BE49-F238E27FC236}">
+                <a16:creationId xmlns:a16="http://schemas.microsoft.com/office/drawing/2014/main" id="{CD554BAE-3DBC-43E3-B8EF-03823F857DF8}"/>
+              </a:ext>
+            </a:extLst>
+          </p:cNvPr>
+          <p:cNvSpPr>
+            <a:spLocks noGrp="1"/>
+          </p:cNvSpPr>
+          <p:nvPr>
+            <p:ph idx="1"/>
+          </p:nvPr>
+        </p:nvSpPr>
+        <p:spPr/>
+        <p:txBody>
+          <a:bodyPr/>
+          <a:lstStyle/>
+          <a:p>
+            <a:r>
+              <a:rPr lang="zh-TW" altLang="en-US" dirty="0"/>
+              <a:t>將</a:t>
+            </a:r>
+            <a:r>
+              <a:rPr lang="en-US" altLang="zh-TW" dirty="0"/>
+              <a:t>socket server</a:t>
+            </a:r>
+            <a:r>
+              <a:rPr lang="zh-TW" altLang="en-US" dirty="0"/>
+              <a:t>從</a:t>
+            </a:r>
+            <a:r>
+              <a:rPr lang="en-US" altLang="zh-TW" dirty="0" err="1"/>
+              <a:t>rpi</a:t>
+            </a:r>
+            <a:r>
+              <a:rPr lang="zh-TW" altLang="en-US" dirty="0"/>
+              <a:t>轉移到電腦</a:t>
+            </a:r>
+            <a:endParaRPr lang="en-US" altLang="zh-TW" dirty="0"/>
+          </a:p>
+          <a:p>
+            <a:r>
+              <a:rPr lang="zh-TW" altLang="en-US" dirty="0"/>
+              <a:t>只限同</a:t>
+            </a:r>
+            <a:r>
+              <a:rPr lang="en-US" altLang="zh-TW" dirty="0" err="1"/>
+              <a:t>wifi</a:t>
+            </a:r>
+            <a:r>
+              <a:rPr lang="zh-TW" altLang="en-US" dirty="0"/>
+              <a:t>下資料傳輸</a:t>
+            </a:r>
+            <a:endParaRPr lang="en-US" altLang="zh-TW" dirty="0"/>
+          </a:p>
+          <a:p>
+            <a:r>
+              <a:rPr lang="zh-TW" altLang="en-US" dirty="0"/>
+              <a:t>嘗試不同網域的傳輸</a:t>
+            </a:r>
+            <a:endParaRPr lang="en-US" altLang="zh-TW" dirty="0"/>
+          </a:p>
+          <a:p>
+            <a:r>
+              <a:rPr lang="zh-TW" altLang="en-US" dirty="0"/>
+              <a:t>嘗試在</a:t>
+            </a:r>
+            <a:r>
+              <a:rPr lang="en-US" altLang="zh-TW" dirty="0"/>
+              <a:t>STM32</a:t>
+            </a:r>
+            <a:r>
+              <a:rPr lang="zh-TW" altLang="en-US" dirty="0"/>
+              <a:t>架設</a:t>
+            </a:r>
+            <a:r>
+              <a:rPr lang="en-US" altLang="zh-TW" dirty="0"/>
+              <a:t>server</a:t>
+            </a:r>
+            <a:endParaRPr lang="zh-TW" altLang="en-US" dirty="0"/>
+          </a:p>
+        </p:txBody>
+      </p:sp>
+    </p:spTree>
+    <p:extLst>
+      <p:ext uri="{BB962C8B-B14F-4D97-AF65-F5344CB8AC3E}">
+        <p14:creationId xmlns:p14="http://schemas.microsoft.com/office/powerpoint/2010/main" val="268195360"/>
+      </p:ext>
+    </p:extLst>
+  </p:cSld>
+  <p:clrMapOvr>
+    <a:masterClrMapping/>
+  </p:clrMapOvr>
+</p:sld>
+</file>
+
+<file path=ppt/slides/slide6.xml><?xml version="1.0" encoding="utf-8"?>
 <p:sld xmlns:a="http://schemas.openxmlformats.org/drawingml/2006/main" xmlns:r="http://schemas.openxmlformats.org/officeDocument/2006/relationships" xmlns:p="http://schemas.openxmlformats.org/presentationml/2006/main">
   <p:cSld>
     <p:spTree>
@@ -6273,6 +6512,97 @@
     <p:extLst>
       <p:ext uri="{BB962C8B-B14F-4D97-AF65-F5344CB8AC3E}">
         <p14:creationId xmlns:p14="http://schemas.microsoft.com/office/powerpoint/2010/main" val="1144439469"/>
+      </p:ext>
+    </p:extLst>
+  </p:cSld>
+  <p:clrMapOvr>
+    <a:masterClrMapping/>
+  </p:clrMapOvr>
+</p:sld>
+</file>
+
+<file path=ppt/slides/slide7.xml><?xml version="1.0" encoding="utf-8"?>
+<p:sld xmlns:a="http://schemas.openxmlformats.org/drawingml/2006/main" xmlns:r="http://schemas.openxmlformats.org/officeDocument/2006/relationships" xmlns:p="http://schemas.openxmlformats.org/presentationml/2006/main">
+  <p:cSld>
+    <p:spTree>
+      <p:nvGrpSpPr>
+        <p:cNvPr id="1" name=""/>
+        <p:cNvGrpSpPr/>
+        <p:nvPr/>
+      </p:nvGrpSpPr>
+      <p:grpSpPr>
+        <a:xfrm>
+          <a:off x="0" y="0"/>
+          <a:ext cx="0" cy="0"/>
+          <a:chOff x="0" y="0"/>
+          <a:chExt cx="0" cy="0"/>
+        </a:xfrm>
+      </p:grpSpPr>
+      <p:sp>
+        <p:nvSpPr>
+          <p:cNvPr id="2" name="標題 1">
+            <a:extLst>
+              <a:ext uri="{FF2B5EF4-FFF2-40B4-BE49-F238E27FC236}">
+                <a16:creationId xmlns:a16="http://schemas.microsoft.com/office/drawing/2014/main" id="{76C8AB8B-57C2-487D-92C6-5A9E2E00A188}"/>
+              </a:ext>
+            </a:extLst>
+          </p:cNvPr>
+          <p:cNvSpPr>
+            <a:spLocks noGrp="1"/>
+          </p:cNvSpPr>
+          <p:nvPr>
+            <p:ph type="title"/>
+          </p:nvPr>
+        </p:nvSpPr>
+        <p:spPr/>
+        <p:txBody>
+          <a:bodyPr/>
+          <a:lstStyle/>
+          <a:p>
+            <a:endParaRPr lang="zh-TW" altLang="en-US"/>
+          </a:p>
+        </p:txBody>
+      </p:sp>
+      <p:sp>
+        <p:nvSpPr>
+          <p:cNvPr id="3" name="內容版面配置區 2">
+            <a:extLst>
+              <a:ext uri="{FF2B5EF4-FFF2-40B4-BE49-F238E27FC236}">
+                <a16:creationId xmlns:a16="http://schemas.microsoft.com/office/drawing/2014/main" id="{D71BCEC7-D781-484F-86FD-28742AF568D2}"/>
+              </a:ext>
+            </a:extLst>
+          </p:cNvPr>
+          <p:cNvSpPr>
+            <a:spLocks noGrp="1"/>
+          </p:cNvSpPr>
+          <p:nvPr>
+            <p:ph idx="1"/>
+          </p:nvPr>
+        </p:nvSpPr>
+        <p:spPr/>
+        <p:txBody>
+          <a:bodyPr/>
+          <a:lstStyle/>
+          <a:p>
+            <a:r>
+              <a:rPr lang="zh-TW" altLang="en-US" dirty="0"/>
+              <a:t>剛收到</a:t>
+            </a:r>
+            <a:r>
+              <a:rPr lang="en-US" altLang="zh-TW" dirty="0" err="1"/>
+              <a:t>gps</a:t>
+            </a:r>
+            <a:r>
+              <a:rPr lang="zh-TW" altLang="en-US" dirty="0"/>
+              <a:t>模組，尚未實作</a:t>
+            </a:r>
+          </a:p>
+        </p:txBody>
+      </p:sp>
+    </p:spTree>
+    <p:extLst>
+      <p:ext uri="{BB962C8B-B14F-4D97-AF65-F5344CB8AC3E}">
+        <p14:creationId xmlns:p14="http://schemas.microsoft.com/office/powerpoint/2010/main" val="1650023832"/>
       </p:ext>
     </p:extLst>
   </p:cSld>
